--- a/쇼핑몰_개요.pptx
+++ b/쇼핑몰_개요.pptx
@@ -7,6 +7,7 @@
   <p:sldIdLst>
     <p:sldId id="256" r:id="rId2"/>
     <p:sldId id="257" r:id="rId3"/>
+    <p:sldId id="258" r:id="rId4"/>
   </p:sldIdLst>
   <p:sldSz cx="12192000" cy="6858000"/>
   <p:notesSz cx="6858000" cy="9144000"/>
@@ -105,6 +106,11 @@
       </a:defRPr>
     </a:lvl9pPr>
   </p:defaultTextStyle>
+  <p:extLst>
+    <p:ext uri="{EFAFB233-063F-42B5-8137-9DF3F51BA10A}">
+      <p15:sldGuideLst xmlns:p15="http://schemas.microsoft.com/office/powerpoint/2012/main"/>
+    </p:ext>
+  </p:extLst>
 </p:presentation>
 </file>
 
@@ -4105,11 +4111,7 @@
             </a:pPr>
             <a:r>
               <a:rPr lang="ko-KR" altLang="en-US" smtClean="0"/>
-              <a:t>상품관리 </a:t>
-            </a:r>
-            <a:r>
-              <a:rPr lang="ko-KR" altLang="en-US" smtClean="0"/>
-              <a:t>리스트</a:t>
+              <a:t>상품관리 리스트</a:t>
             </a:r>
             <a:r>
               <a:rPr lang="en-US" altLang="ko-KR" smtClean="0"/>
@@ -4144,11 +4146,7 @@
             </a:pPr>
             <a:r>
               <a:rPr lang="ko-KR" altLang="en-US" smtClean="0"/>
-              <a:t>회원관리 </a:t>
-            </a:r>
-            <a:r>
-              <a:rPr lang="ko-KR" altLang="en-US" smtClean="0"/>
-              <a:t>리스트</a:t>
+              <a:t>회원관리 리스트</a:t>
             </a:r>
             <a:r>
               <a:rPr lang="en-US" altLang="ko-KR" smtClean="0"/>
@@ -4183,11 +4181,7 @@
             </a:pPr>
             <a:r>
               <a:rPr lang="ko-KR" altLang="en-US" smtClean="0"/>
-              <a:t>게시판관리 </a:t>
-            </a:r>
-            <a:r>
-              <a:rPr lang="ko-KR" altLang="en-US" smtClean="0"/>
-              <a:t>리스트</a:t>
+              <a:t>게시판관리 리스트</a:t>
             </a:r>
             <a:r>
               <a:rPr lang="en-US" altLang="ko-KR" smtClean="0"/>
@@ -4222,11 +4216,7 @@
             </a:pPr>
             <a:r>
               <a:rPr lang="ko-KR" altLang="en-US" smtClean="0"/>
-              <a:t>주문관리 </a:t>
-            </a:r>
-            <a:r>
-              <a:rPr lang="ko-KR" altLang="en-US" smtClean="0"/>
-              <a:t>리스트</a:t>
+              <a:t>주문관리 리스트</a:t>
             </a:r>
             <a:r>
               <a:rPr lang="en-US" altLang="ko-KR" smtClean="0"/>
@@ -4362,6 +4352,334 @@
     <p:extLst>
       <p:ext uri="{BB962C8B-B14F-4D97-AF65-F5344CB8AC3E}">
         <p14:creationId xmlns:p14="http://schemas.microsoft.com/office/powerpoint/2010/main" val="2904350950"/>
+      </p:ext>
+    </p:extLst>
+  </p:cSld>
+  <p:clrMapOvr>
+    <a:masterClrMapping/>
+  </p:clrMapOvr>
+</p:sld>
+</file>
+
+<file path=ppt/slides/slide3.xml><?xml version="1.0" encoding="utf-8"?>
+<p:sld xmlns:a="http://schemas.openxmlformats.org/drawingml/2006/main" xmlns:r="http://schemas.openxmlformats.org/officeDocument/2006/relationships" xmlns:p="http://schemas.openxmlformats.org/presentationml/2006/main">
+  <p:cSld>
+    <p:spTree>
+      <p:nvGrpSpPr>
+        <p:cNvPr id="1" name=""/>
+        <p:cNvGrpSpPr/>
+        <p:nvPr/>
+      </p:nvGrpSpPr>
+      <p:grpSpPr>
+        <a:xfrm>
+          <a:off x="0" y="0"/>
+          <a:ext cx="0" cy="0"/>
+          <a:chOff x="0" y="0"/>
+          <a:chExt cx="0" cy="0"/>
+        </a:xfrm>
+      </p:grpSpPr>
+      <p:sp>
+        <p:nvSpPr>
+          <p:cNvPr id="4" name="TextBox 3"/>
+          <p:cNvSpPr txBox="1"/>
+          <p:nvPr/>
+        </p:nvSpPr>
+        <p:spPr>
+          <a:xfrm>
+            <a:off x="482138" y="332509"/>
+            <a:ext cx="3433157" cy="369332"/>
+          </a:xfrm>
+          <a:prstGeom prst="rect">
+            <a:avLst/>
+          </a:prstGeom>
+          <a:noFill/>
+        </p:spPr>
+        <p:txBody>
+          <a:bodyPr wrap="square" rtlCol="0">
+            <a:spAutoFit/>
+          </a:bodyPr>
+          <a:lstStyle/>
+          <a:p>
+            <a:r>
+              <a:rPr lang="ko-KR" altLang="en-US" smtClean="0"/>
+              <a:t>요구정의</a:t>
+            </a:r>
+            <a:endParaRPr lang="ko-KR" altLang="en-US"/>
+          </a:p>
+        </p:txBody>
+      </p:sp>
+      <p:sp>
+        <p:nvSpPr>
+          <p:cNvPr id="6" name="TextBox 5"/>
+          <p:cNvSpPr txBox="1"/>
+          <p:nvPr/>
+        </p:nvSpPr>
+        <p:spPr>
+          <a:xfrm>
+            <a:off x="482138" y="806335"/>
+            <a:ext cx="11105803" cy="5355312"/>
+          </a:xfrm>
+          <a:prstGeom prst="rect">
+            <a:avLst/>
+          </a:prstGeom>
+          <a:noFill/>
+        </p:spPr>
+        <p:txBody>
+          <a:bodyPr wrap="square" rtlCol="0">
+            <a:spAutoFit/>
+          </a:bodyPr>
+          <a:lstStyle/>
+          <a:p>
+            <a:pPr marL="342900" indent="-342900">
+              <a:buAutoNum type="arabicPeriod"/>
+            </a:pPr>
+            <a:r>
+              <a:rPr lang="ko-KR" altLang="en-US" smtClean="0"/>
+              <a:t>관리자</a:t>
+            </a:r>
+            <a:endParaRPr lang="en-US" altLang="ko-KR" smtClean="0"/>
+          </a:p>
+          <a:p>
+            <a:pPr marL="800100" lvl="1" indent="-342900">
+              <a:buAutoNum type="arabicPeriod"/>
+            </a:pPr>
+            <a:r>
+              <a:rPr lang="ko-KR" altLang="en-US" smtClean="0"/>
+              <a:t>게시판</a:t>
+            </a:r>
+            <a:endParaRPr lang="en-US" altLang="ko-KR" smtClean="0"/>
+          </a:p>
+          <a:p>
+            <a:pPr marL="1257300" lvl="2" indent="-342900">
+              <a:buAutoNum type="arabicPeriod"/>
+            </a:pPr>
+            <a:r>
+              <a:rPr lang="ko-KR" altLang="en-US" smtClean="0"/>
+              <a:t>종류</a:t>
+            </a:r>
+            <a:r>
+              <a:rPr lang="en-US" altLang="ko-KR" smtClean="0"/>
+              <a:t>: </a:t>
+            </a:r>
+            <a:r>
+              <a:rPr lang="ko-KR" altLang="en-US" smtClean="0"/>
+              <a:t>일반게시판</a:t>
+            </a:r>
+            <a:r>
+              <a:rPr lang="en-US" altLang="ko-KR" smtClean="0"/>
+              <a:t>, </a:t>
+            </a:r>
+            <a:r>
+              <a:rPr lang="ko-KR" altLang="en-US" smtClean="0"/>
+              <a:t>갤러리게시판</a:t>
+            </a:r>
+            <a:r>
+              <a:rPr lang="en-US" altLang="ko-KR" smtClean="0"/>
+              <a:t>, </a:t>
+            </a:r>
+            <a:r>
+              <a:rPr lang="ko-KR" altLang="en-US" smtClean="0"/>
+              <a:t>상품 후기 게시판</a:t>
+            </a:r>
+            <a:endParaRPr lang="en-US" altLang="ko-KR" smtClean="0"/>
+          </a:p>
+          <a:p>
+            <a:pPr marL="1257300" lvl="2" indent="-342900">
+              <a:buAutoNum type="arabicPeriod"/>
+            </a:pPr>
+            <a:r>
+              <a:rPr lang="ko-KR" altLang="en-US" smtClean="0"/>
+              <a:t>게시글에 댓글</a:t>
+            </a:r>
+            <a:r>
+              <a:rPr lang="en-US" altLang="ko-KR" smtClean="0"/>
+              <a:t> </a:t>
+            </a:r>
+            <a:r>
+              <a:rPr lang="ko-KR" altLang="en-US" smtClean="0"/>
+              <a:t>유</a:t>
+            </a:r>
+            <a:r>
+              <a:rPr lang="en-US" altLang="ko-KR" smtClean="0"/>
+              <a:t>/</a:t>
+            </a:r>
+            <a:r>
+              <a:rPr lang="ko-KR" altLang="en-US" smtClean="0"/>
+              <a:t>무</a:t>
+            </a:r>
+            <a:endParaRPr lang="en-US" altLang="ko-KR" smtClean="0"/>
+          </a:p>
+          <a:p>
+            <a:pPr marL="1257300" lvl="2" indent="-342900">
+              <a:buAutoNum type="arabicPeriod"/>
+            </a:pPr>
+            <a:r>
+              <a:rPr lang="ko-KR" altLang="en-US" smtClean="0"/>
+              <a:t>비회원</a:t>
+            </a:r>
+            <a:r>
+              <a:rPr lang="en-US" altLang="ko-KR"/>
+              <a:t> </a:t>
+            </a:r>
+            <a:r>
+              <a:rPr lang="ko-KR" altLang="en-US" smtClean="0"/>
+              <a:t>글 작성 못함</a:t>
+            </a:r>
+            <a:endParaRPr lang="en-US" altLang="ko-KR" smtClean="0"/>
+          </a:p>
+          <a:p>
+            <a:pPr marL="1257300" lvl="2" indent="-342900">
+              <a:buAutoNum type="arabicPeriod"/>
+            </a:pPr>
+            <a:r>
+              <a:rPr lang="ko-KR" altLang="en-US" smtClean="0"/>
+              <a:t>게시판 빌더 사용</a:t>
+            </a:r>
+            <a:endParaRPr lang="en-US" altLang="ko-KR" smtClean="0"/>
+          </a:p>
+          <a:p>
+            <a:pPr marL="800100" lvl="1" indent="-342900">
+              <a:buAutoNum type="arabicPeriod"/>
+            </a:pPr>
+            <a:r>
+              <a:rPr lang="ko-KR" altLang="en-US" smtClean="0"/>
+              <a:t>상품관리</a:t>
+            </a:r>
+            <a:endParaRPr lang="en-US" altLang="ko-KR" smtClean="0"/>
+          </a:p>
+          <a:p>
+            <a:pPr marL="1257300" lvl="2" indent="-342900">
+              <a:buAutoNum type="arabicPeriod"/>
+            </a:pPr>
+            <a:r>
+              <a:rPr lang="ko-KR" altLang="en-US" smtClean="0"/>
+              <a:t>카테고리 </a:t>
+            </a:r>
+            <a:r>
+              <a:rPr lang="en-US" altLang="ko-KR" smtClean="0"/>
+              <a:t>-  2</a:t>
+            </a:r>
+            <a:r>
+              <a:rPr lang="ko-KR" altLang="en-US" smtClean="0"/>
+              <a:t>단</a:t>
+            </a:r>
+            <a:endParaRPr lang="en-US" altLang="ko-KR" smtClean="0"/>
+          </a:p>
+          <a:p>
+            <a:pPr marL="1257300" lvl="2" indent="-342900">
+              <a:buAutoNum type="arabicPeriod"/>
+            </a:pPr>
+            <a:r>
+              <a:rPr lang="ko-KR" altLang="en-US" smtClean="0"/>
+              <a:t>상품은 간략하게 등록</a:t>
+            </a:r>
+            <a:endParaRPr lang="en-US" altLang="ko-KR" smtClean="0"/>
+          </a:p>
+          <a:p>
+            <a:pPr marL="1714500" lvl="3" indent="-342900">
+              <a:buAutoNum type="arabicPeriod"/>
+            </a:pPr>
+            <a:r>
+              <a:rPr lang="ko-KR" altLang="en-US" smtClean="0"/>
+              <a:t>상품명</a:t>
+            </a:r>
+            <a:endParaRPr lang="en-US" altLang="ko-KR" smtClean="0"/>
+          </a:p>
+          <a:p>
+            <a:pPr marL="1714500" lvl="3" indent="-342900">
+              <a:buAutoNum type="arabicPeriod"/>
+            </a:pPr>
+            <a:r>
+              <a:rPr lang="ko-KR" altLang="en-US" smtClean="0"/>
+              <a:t>상품코드</a:t>
+            </a:r>
+            <a:endParaRPr lang="en-US" altLang="ko-KR" smtClean="0"/>
+          </a:p>
+          <a:p>
+            <a:pPr marL="1714500" lvl="3" indent="-342900">
+              <a:buAutoNum type="arabicPeriod"/>
+            </a:pPr>
+            <a:r>
+              <a:rPr lang="ko-KR" altLang="en-US" smtClean="0"/>
+              <a:t>소비자가격</a:t>
+            </a:r>
+            <a:endParaRPr lang="en-US" altLang="ko-KR" smtClean="0"/>
+          </a:p>
+          <a:p>
+            <a:pPr marL="1714500" lvl="3" indent="-342900">
+              <a:buAutoNum type="arabicPeriod"/>
+            </a:pPr>
+            <a:r>
+              <a:rPr lang="ko-KR" altLang="en-US" smtClean="0"/>
+              <a:t>판매가격</a:t>
+            </a:r>
+            <a:endParaRPr lang="en-US" altLang="ko-KR" smtClean="0"/>
+          </a:p>
+          <a:p>
+            <a:pPr marL="1714500" lvl="3" indent="-342900">
+              <a:buAutoNum type="arabicPeriod"/>
+            </a:pPr>
+            <a:r>
+              <a:rPr lang="ko-KR" altLang="en-US" smtClean="0"/>
+              <a:t>할인률</a:t>
+            </a:r>
+            <a:endParaRPr lang="en-US" altLang="ko-KR" smtClean="0"/>
+          </a:p>
+          <a:p>
+            <a:pPr marL="1714500" lvl="3" indent="-342900">
+              <a:buAutoNum type="arabicPeriod"/>
+            </a:pPr>
+            <a:r>
+              <a:rPr lang="en-US" altLang="ko-KR" smtClean="0"/>
+              <a:t>…</a:t>
+            </a:r>
+          </a:p>
+          <a:p>
+            <a:pPr marL="800100" lvl="1" indent="-342900">
+              <a:buAutoNum type="arabicPeriod"/>
+            </a:pPr>
+            <a:r>
+              <a:rPr lang="ko-KR" altLang="en-US" smtClean="0"/>
+              <a:t>주문관리</a:t>
+            </a:r>
+            <a:endParaRPr lang="en-US" altLang="ko-KR" smtClean="0"/>
+          </a:p>
+          <a:p>
+            <a:pPr marL="1257300" lvl="2" indent="-342900">
+              <a:buAutoNum type="arabicPeriod"/>
+            </a:pPr>
+            <a:r>
+              <a:rPr lang="ko-KR" altLang="en-US" smtClean="0"/>
+              <a:t>장바구니 구현</a:t>
+            </a:r>
+            <a:endParaRPr lang="en-US" altLang="ko-KR" smtClean="0"/>
+          </a:p>
+          <a:p>
+            <a:pPr marL="800100" lvl="1" indent="-342900">
+              <a:buAutoNum type="arabicPeriod"/>
+            </a:pPr>
+            <a:r>
+              <a:rPr lang="ko-KR" altLang="en-US" smtClean="0"/>
+              <a:t>회원관리</a:t>
+            </a:r>
+            <a:endParaRPr lang="en-US" altLang="ko-KR" smtClean="0"/>
+          </a:p>
+          <a:p>
+            <a:pPr marL="1257300" lvl="2" indent="-342900">
+              <a:buAutoNum type="arabicPeriod"/>
+            </a:pPr>
+            <a:r>
+              <a:rPr lang="ko-KR" altLang="en-US" smtClean="0"/>
+              <a:t>도서관리 시스템과 동일하게</a:t>
+            </a:r>
+            <a:endParaRPr lang="ko-KR" altLang="en-US"/>
+          </a:p>
+        </p:txBody>
+      </p:sp>
+    </p:spTree>
+    <p:extLst>
+      <p:ext uri="{BB962C8B-B14F-4D97-AF65-F5344CB8AC3E}">
+        <p14:creationId xmlns:p14="http://schemas.microsoft.com/office/powerpoint/2010/main" val="1091164417"/>
       </p:ext>
     </p:extLst>
   </p:cSld>
